--- a/powerpoint.pptx
+++ b/powerpoint.pptx
@@ -1,25 +1,26 @@
 
 <file path=ppt/presentation.xml><?xml version="1.0" encoding="utf-8"?>
-<p:presentation xmlns:a="http://schemas.openxmlformats.org/drawingml/2006/main" xmlns:r="http://schemas.openxmlformats.org/officeDocument/2006/relationships" xmlns:p="http://schemas.openxmlformats.org/presentationml/2006/main" embedTrueTypeFonts="1">
+<p:presentation xmlns:a="http://schemas.openxmlformats.org/drawingml/2006/main" xmlns:r="http://schemas.openxmlformats.org/officeDocument/2006/relationships" xmlns:p="http://schemas.openxmlformats.org/presentationml/2006/main" showSpecialPlsOnTitleSld="0" embedTrueTypeFonts="1">
   <p:sldMasterIdLst>
     <p:sldMasterId id="2147483648" r:id="rId1"/>
   </p:sldMasterIdLst>
   <p:notesMasterIdLst>
-    <p:notesMasterId r:id="rId3"/>
+    <p:notesMasterId r:id="rId4"/>
   </p:notesMasterIdLst>
   <p:sldIdLst>
     <p:sldId id="256" r:id="rId2"/>
+    <p:sldId id="257" r:id="rId3"/>
   </p:sldIdLst>
   <p:sldSz cx="12192000" cy="6858000"/>
   <p:notesSz cx="6858000" cy="9144000"/>
   <p:embeddedFontLst>
     <p:embeddedFont>
       <p:font typeface="KoPubWorld돋움체 Light" pitchFamily="2" charset="-127"/>
-      <p:regular r:id="rId4"/>
+      <p:regular r:id="rId5"/>
     </p:embeddedFont>
     <p:embeddedFont>
       <p:font typeface="KoPubWorld돋움체 Medium" pitchFamily="2" charset="-127"/>
-      <p:regular r:id="rId5"/>
+      <p:regular r:id="rId6"/>
     </p:embeddedFont>
   </p:embeddedFontLst>
   <p:defaultTextStyle>
@@ -233,7 +234,7 @@
             <a:fld id="{9DCF8812-1B33-4A51-A628-9FB000FC97B1}" type="datetimeFigureOut">
               <a:rPr lang="ko-KR" altLang="en-US" smtClean="0"/>
               <a:pPr/>
-              <a:t>2020. 3. 17.</a:t>
+              <a:t>2020. 3. 18.</a:t>
             </a:fld>
             <a:endParaRPr lang="ko-KR" altLang="en-US" dirty="0"/>
           </a:p>
@@ -642,9 +643,9 @@
           <a:bodyPr/>
           <a:lstStyle/>
           <a:p>
-            <a:fld id="{3C58BA19-D60B-49C0-910A-0BA3C2000EC5}" type="datetimeFigureOut">
+            <a:fld id="{FA85ADE3-D1DF-2642-A828-D8CB661B94C3}" type="datetime1">
               <a:rPr lang="ko-KR" altLang="en-US" smtClean="0"/>
-              <a:t>2020. 3. 17.</a:t>
+              <a:t>2020. 3. 18.</a:t>
             </a:fld>
             <a:endParaRPr lang="ko-KR" altLang="en-US"/>
           </a:p>
@@ -767,9 +768,9 @@
           <a:bodyPr/>
           <a:lstStyle/>
           <a:p>
-            <a:fld id="{3C58BA19-D60B-49C0-910A-0BA3C2000EC5}" type="datetimeFigureOut">
+            <a:fld id="{FC582195-0F9D-E54E-800C-C712EBF9E942}" type="datetime1">
               <a:rPr lang="ko-KR" altLang="en-US" smtClean="0"/>
-              <a:t>2020. 3. 17.</a:t>
+              <a:t>2020. 3. 18.</a:t>
             </a:fld>
             <a:endParaRPr lang="ko-KR" altLang="en-US"/>
           </a:p>
@@ -950,9 +951,9 @@
           <a:bodyPr/>
           <a:lstStyle/>
           <a:p>
-            <a:fld id="{3C58BA19-D60B-49C0-910A-0BA3C2000EC5}" type="datetimeFigureOut">
+            <a:fld id="{D041F6D0-FD04-3A4B-9AF0-FECC1F3CE30D}" type="datetime1">
               <a:rPr lang="ko-KR" altLang="en-US" smtClean="0"/>
-              <a:t>2020. 3. 17.</a:t>
+              <a:t>2020. 3. 18.</a:t>
             </a:fld>
             <a:endParaRPr lang="ko-KR" altLang="en-US"/>
           </a:p>
@@ -1214,9 +1215,9 @@
           <a:bodyPr/>
           <a:lstStyle/>
           <a:p>
-            <a:fld id="{3C58BA19-D60B-49C0-910A-0BA3C2000EC5}" type="datetimeFigureOut">
+            <a:fld id="{4AADE029-0549-3C43-871D-24D296A2003F}" type="datetime1">
               <a:rPr lang="ko-KR" altLang="en-US" smtClean="0"/>
-              <a:t>2020. 3. 17.</a:t>
+              <a:t>2020. 3. 18.</a:t>
             </a:fld>
             <a:endParaRPr lang="ko-KR" altLang="en-US"/>
           </a:p>
@@ -1395,9 +1396,9 @@
           <a:bodyPr/>
           <a:lstStyle/>
           <a:p>
-            <a:fld id="{3C58BA19-D60B-49C0-910A-0BA3C2000EC5}" type="datetimeFigureOut">
+            <a:fld id="{4D260375-BF09-4E4B-8D45-64ED1E08D683}" type="datetime1">
               <a:rPr lang="ko-KR" altLang="en-US" smtClean="0"/>
-              <a:t>2020. 3. 17.</a:t>
+              <a:t>2020. 3. 18.</a:t>
             </a:fld>
             <a:endParaRPr lang="ko-KR" altLang="en-US"/>
           </a:p>
@@ -1708,9 +1709,9 @@
           <a:bodyPr/>
           <a:lstStyle/>
           <a:p>
-            <a:fld id="{3C58BA19-D60B-49C0-910A-0BA3C2000EC5}" type="datetimeFigureOut">
+            <a:fld id="{8810714B-759C-934C-ADB9-B3ABD1C1F5AA}" type="datetime1">
               <a:rPr lang="ko-KR" altLang="en-US" smtClean="0"/>
-              <a:t>2020. 3. 17.</a:t>
+              <a:t>2020. 3. 18.</a:t>
             </a:fld>
             <a:endParaRPr lang="ko-KR" altLang="en-US"/>
           </a:p>
@@ -1988,9 +1989,9 @@
           <a:bodyPr/>
           <a:lstStyle/>
           <a:p>
-            <a:fld id="{3C58BA19-D60B-49C0-910A-0BA3C2000EC5}" type="datetimeFigureOut">
+            <a:fld id="{14CA9B37-ABFF-5247-8C53-CB0002A6C66F}" type="datetime1">
               <a:rPr lang="ko-KR" altLang="en-US" smtClean="0"/>
-              <a:t>2020. 3. 17.</a:t>
+              <a:t>2020. 3. 18.</a:t>
             </a:fld>
             <a:endParaRPr lang="ko-KR" altLang="en-US"/>
           </a:p>
@@ -2221,9 +2222,9 @@
           <a:bodyPr/>
           <a:lstStyle/>
           <a:p>
-            <a:fld id="{3C58BA19-D60B-49C0-910A-0BA3C2000EC5}" type="datetimeFigureOut">
+            <a:fld id="{596B6811-8D3E-BF49-B921-A98C4BE6932C}" type="datetime1">
               <a:rPr lang="ko-KR" altLang="en-US" smtClean="0"/>
-              <a:t>2020. 3. 17.</a:t>
+              <a:t>2020. 3. 18.</a:t>
             </a:fld>
             <a:endParaRPr lang="ko-KR" altLang="en-US"/>
           </a:p>
@@ -2316,9 +2317,9 @@
           <a:bodyPr/>
           <a:lstStyle/>
           <a:p>
-            <a:fld id="{3C58BA19-D60B-49C0-910A-0BA3C2000EC5}" type="datetimeFigureOut">
+            <a:fld id="{553222E9-C491-C44A-828F-14DE1528E176}" type="datetime1">
               <a:rPr lang="ko-KR" altLang="en-US" smtClean="0"/>
-              <a:t>2020. 3. 17.</a:t>
+              <a:t>2020. 3. 18.</a:t>
             </a:fld>
             <a:endParaRPr lang="ko-KR" altLang="en-US"/>
           </a:p>
@@ -2506,8 +2507,8 @@
         </p:nvSpPr>
         <p:spPr>
           <a:xfrm>
-            <a:off x="838200" y="6356350"/>
-            <a:ext cx="2743200" cy="365125"/>
+            <a:off x="838199" y="6356350"/>
+            <a:ext cx="4274127" cy="365125"/>
           </a:xfrm>
           <a:prstGeom prst="rect">
             <a:avLst/>
@@ -2529,10 +2530,9 @@
             </a:lvl1pPr>
           </a:lstStyle>
           <a:p>
-            <a:fld id="{3C58BA19-D60B-49C0-910A-0BA3C2000EC5}" type="datetimeFigureOut">
+            <a:fld id="{374A5A14-1DE2-154B-ADD8-A7194624E2CA}" type="datetime1">
               <a:rPr lang="ko-KR" altLang="en-US" smtClean="0"/>
-              <a:pPr/>
-              <a:t>2020. 3. 17.</a:t>
+              <a:t>2020. 3. 18.</a:t>
             </a:fld>
             <a:endParaRPr lang="ko-KR" altLang="en-US" dirty="0"/>
           </a:p>
@@ -2550,8 +2550,8 @@
         </p:nvSpPr>
         <p:spPr>
           <a:xfrm>
-            <a:off x="4038600" y="6356350"/>
-            <a:ext cx="4114800" cy="365125"/>
+            <a:off x="7079673" y="6356349"/>
+            <a:ext cx="4274127" cy="365125"/>
           </a:xfrm>
           <a:prstGeom prst="rect">
             <a:avLst/>
@@ -2560,7 +2560,7 @@
         <p:txBody>
           <a:bodyPr vert="horz" lIns="91440" tIns="45720" rIns="91440" bIns="45720" rtlCol="0" anchor="ctr"/>
           <a:lstStyle>
-            <a:lvl1pPr algn="ctr">
+            <a:lvl1pPr algn="r">
               <a:defRPr sz="1200">
                 <a:solidFill>
                   <a:schemeClr val="tx1">
@@ -2589,8 +2589,8 @@
         </p:nvSpPr>
         <p:spPr>
           <a:xfrm>
-            <a:off x="8610600" y="6356350"/>
-            <a:ext cx="2743200" cy="365125"/>
+            <a:off x="5351318" y="6356349"/>
+            <a:ext cx="1489364" cy="365125"/>
           </a:xfrm>
           <a:prstGeom prst="rect">
             <a:avLst/>
@@ -2599,7 +2599,7 @@
         <p:txBody>
           <a:bodyPr vert="horz" lIns="91440" tIns="45720" rIns="91440" bIns="45720" rtlCol="0" anchor="ctr"/>
           <a:lstStyle>
-            <a:lvl1pPr algn="r">
+            <a:lvl1pPr algn="ctr">
               <a:defRPr sz="1200">
                 <a:solidFill>
                   <a:schemeClr val="tx1">
@@ -2640,6 +2640,7 @@
     <p:sldLayoutId id="2147483654" r:id="rId8"/>
     <p:sldLayoutId id="2147483655" r:id="rId9"/>
   </p:sldLayoutIdLst>
+  <p:hf hdr="0" ftr="0" dt="0"/>
   <p:txStyles>
     <p:titleStyle>
       <a:lvl1pPr algn="l" defTabSz="914400" rtl="0" eaLnBrk="1" latinLnBrk="1" hangingPunct="1">
@@ -3021,6 +3022,115 @@
     <p:extLst>
       <p:ext uri="{BB962C8B-B14F-4D97-AF65-F5344CB8AC3E}">
         <p14:creationId xmlns:p14="http://schemas.microsoft.com/office/powerpoint/2010/main" val="374262423"/>
+      </p:ext>
+    </p:extLst>
+  </p:cSld>
+  <p:clrMapOvr>
+    <a:masterClrMapping/>
+  </p:clrMapOvr>
+</p:sld>
+</file>
+
+<file path=ppt/slides/slide2.xml><?xml version="1.0" encoding="utf-8"?>
+<p:sld xmlns:a="http://schemas.openxmlformats.org/drawingml/2006/main" xmlns:r="http://schemas.openxmlformats.org/officeDocument/2006/relationships" xmlns:p="http://schemas.openxmlformats.org/presentationml/2006/main">
+  <p:cSld>
+    <p:spTree>
+      <p:nvGrpSpPr>
+        <p:cNvPr id="1" name=""/>
+        <p:cNvGrpSpPr/>
+        <p:nvPr/>
+      </p:nvGrpSpPr>
+      <p:grpSpPr>
+        <a:xfrm>
+          <a:off x="0" y="0"/>
+          <a:ext cx="0" cy="0"/>
+          <a:chOff x="0" y="0"/>
+          <a:chExt cx="0" cy="0"/>
+        </a:xfrm>
+      </p:grpSpPr>
+      <p:sp>
+        <p:nvSpPr>
+          <p:cNvPr id="2" name="제목 1">
+            <a:extLst>
+              <a:ext uri="{FF2B5EF4-FFF2-40B4-BE49-F238E27FC236}">
+                <a16:creationId xmlns:a16="http://schemas.microsoft.com/office/drawing/2014/main" id="{A34F6B32-8033-B64C-A29D-7FF8B9B49605}"/>
+              </a:ext>
+            </a:extLst>
+          </p:cNvPr>
+          <p:cNvSpPr>
+            <a:spLocks noGrp="1"/>
+          </p:cNvSpPr>
+          <p:nvPr>
+            <p:ph type="title"/>
+          </p:nvPr>
+        </p:nvSpPr>
+        <p:spPr/>
+        <p:txBody>
+          <a:bodyPr/>
+          <a:lstStyle/>
+          <a:p>
+            <a:endParaRPr lang="ko-Kore-KR"/>
+          </a:p>
+        </p:txBody>
+      </p:sp>
+      <p:sp>
+        <p:nvSpPr>
+          <p:cNvPr id="3" name="내용 개체 틀 2">
+            <a:extLst>
+              <a:ext uri="{FF2B5EF4-FFF2-40B4-BE49-F238E27FC236}">
+                <a16:creationId xmlns:a16="http://schemas.microsoft.com/office/drawing/2014/main" id="{6A2526D7-529E-BE41-B395-28A17D8395A7}"/>
+              </a:ext>
+            </a:extLst>
+          </p:cNvPr>
+          <p:cNvSpPr>
+            <a:spLocks noGrp="1"/>
+          </p:cNvSpPr>
+          <p:nvPr>
+            <p:ph idx="1"/>
+          </p:nvPr>
+        </p:nvSpPr>
+        <p:spPr/>
+        <p:txBody>
+          <a:bodyPr/>
+          <a:lstStyle/>
+          <a:p>
+            <a:endParaRPr lang="ko-Kore-KR"/>
+          </a:p>
+        </p:txBody>
+      </p:sp>
+      <p:sp>
+        <p:nvSpPr>
+          <p:cNvPr id="4" name="슬라이드 번호 개체 틀 3">
+            <a:extLst>
+              <a:ext uri="{FF2B5EF4-FFF2-40B4-BE49-F238E27FC236}">
+                <a16:creationId xmlns:a16="http://schemas.microsoft.com/office/drawing/2014/main" id="{1338C5FF-5A96-0747-B4F7-F14A5887E4D4}"/>
+              </a:ext>
+            </a:extLst>
+          </p:cNvPr>
+          <p:cNvSpPr>
+            <a:spLocks noGrp="1"/>
+          </p:cNvSpPr>
+          <p:nvPr>
+            <p:ph type="sldNum" sz="quarter" idx="12"/>
+          </p:nvPr>
+        </p:nvSpPr>
+        <p:spPr/>
+        <p:txBody>
+          <a:bodyPr/>
+          <a:lstStyle/>
+          <a:p>
+            <a:fld id="{68099567-FF08-4590-AE7B-4EE93331FA65}" type="slidenum">
+              <a:rPr lang="ko-KR" altLang="en-US" smtClean="0"/>
+              <a:t>2</a:t>
+            </a:fld>
+            <a:endParaRPr lang="ko-KR" altLang="en-US"/>
+          </a:p>
+        </p:txBody>
+      </p:sp>
+    </p:spTree>
+    <p:extLst>
+      <p:ext uri="{BB962C8B-B14F-4D97-AF65-F5344CB8AC3E}">
+        <p14:creationId xmlns:p14="http://schemas.microsoft.com/office/powerpoint/2010/main" val="2162147803"/>
       </p:ext>
     </p:extLst>
   </p:cSld>
